--- a/day-1/slides/ppt/JavaScript Review.pptx
+++ b/day-1/slides/ppt/JavaScript Review.pptx
@@ -8889,13 +8889,48 @@
           <a:bodyPr/>
           <a:lstStyle/>
           <a:p>
+            <a:pPr marL="514350" indent="-285750">
+              <a:buFont typeface="Arial" panose="020B0604020202020204" pitchFamily="34" charset="0"/>
+              <a:buChar char="•"/>
+            </a:pPr>
             <a:r>
               <a:rPr lang="en-US" dirty="0"/>
-              <a:t>classes</a:t>
-            </a:r>
-          </a:p>
-          <a:p>
+              <a:t>Classes were introduced to JavaScript as a part of ES6</a:t>
+            </a:r>
+          </a:p>
+          <a:p>
+            <a:pPr marL="514350" indent="-285750">
+              <a:buFont typeface="Arial" panose="020B0604020202020204" pitchFamily="34" charset="0"/>
+              <a:buChar char="•"/>
+            </a:pPr>
             <a:endParaRPr lang="en-US" dirty="0"/>
+          </a:p>
+          <a:p>
+            <a:pPr marL="514350" indent="-285750">
+              <a:buFont typeface="Arial" panose="020B0604020202020204" pitchFamily="34" charset="0"/>
+              <a:buChar char="•"/>
+            </a:pPr>
+            <a:r>
+              <a:rPr lang="en-US" dirty="0"/>
+              <a:t>Instructor automatically called when a new object is initialized</a:t>
+            </a:r>
+          </a:p>
+          <a:p>
+            <a:pPr marL="514350" indent="-285750">
+              <a:buFont typeface="Arial" panose="020B0604020202020204" pitchFamily="34" charset="0"/>
+              <a:buChar char="•"/>
+            </a:pPr>
+            <a:endParaRPr lang="en-US" dirty="0"/>
+          </a:p>
+          <a:p>
+            <a:pPr marL="514350" indent="-285750">
+              <a:buFont typeface="Arial" panose="020B0604020202020204" pitchFamily="34" charset="0"/>
+              <a:buChar char="•"/>
+            </a:pPr>
+            <a:r>
+              <a:rPr lang="en-US" dirty="0"/>
+              <a:t>Intended to be familiar to developers with object-oriented experience.</a:t>
+            </a:r>
           </a:p>
           <a:p>
             <a:endParaRPr lang="en-US" dirty="0"/>

--- a/day-1/slides/ppt/JavaScript Review.pptx
+++ b/day-1/slides/ppt/JavaScript Review.pptx
@@ -8206,6 +8206,100 @@
               </a:rPr>
               <a:t>2017</a:t>
             </a:r>
+            <a:r>
+              <a:rPr lang="en-US" b="0" dirty="0">
+                <a:solidFill>
+                  <a:srgbClr val="D4D4D4"/>
+                </a:solidFill>
+                <a:effectLst/>
+                <a:latin typeface="Menlo" panose="020B0609030804020204" pitchFamily="49" charset="0"/>
+              </a:rPr>
+              <a:t>,</a:t>
+            </a:r>
+          </a:p>
+          <a:p>
+            <a:r>
+              <a:rPr lang="en-US" b="0" dirty="0" err="1">
+                <a:solidFill>
+                  <a:srgbClr val="9CDCFE"/>
+                </a:solidFill>
+                <a:effectLst/>
+                <a:latin typeface="Menlo" panose="020B0609030804020204" pitchFamily="49" charset="0"/>
+              </a:rPr>
+              <a:t>spinningRims</a:t>
+            </a:r>
+            <a:r>
+              <a:rPr lang="en-US" b="0" dirty="0">
+                <a:solidFill>
+                  <a:srgbClr val="D4D4D4"/>
+                </a:solidFill>
+                <a:effectLst/>
+                <a:latin typeface="Menlo" panose="020B0609030804020204" pitchFamily="49" charset="0"/>
+              </a:rPr>
+              <a:t>: </a:t>
+            </a:r>
+            <a:r>
+              <a:rPr lang="en-US" b="0" dirty="0">
+                <a:solidFill>
+                  <a:srgbClr val="569CD6"/>
+                </a:solidFill>
+                <a:effectLst/>
+                <a:latin typeface="Menlo" panose="020B0609030804020204" pitchFamily="49" charset="0"/>
+              </a:rPr>
+              <a:t>false</a:t>
+            </a:r>
+            <a:r>
+              <a:rPr lang="en-US" b="0" dirty="0">
+                <a:solidFill>
+                  <a:srgbClr val="D4D4D4"/>
+                </a:solidFill>
+                <a:effectLst/>
+                <a:latin typeface="Menlo" panose="020B0609030804020204" pitchFamily="49" charset="0"/>
+              </a:rPr>
+              <a:t>,</a:t>
+            </a:r>
+          </a:p>
+          <a:p>
+            <a:r>
+              <a:rPr lang="en-US" b="0" dirty="0" err="1">
+                <a:solidFill>
+                  <a:srgbClr val="9CDCFE"/>
+                </a:solidFill>
+                <a:effectLst/>
+                <a:latin typeface="Menlo" panose="020B0609030804020204" pitchFamily="49" charset="0"/>
+              </a:rPr>
+              <a:t>selfDriving</a:t>
+            </a:r>
+            <a:r>
+              <a:rPr lang="en-US" b="0" dirty="0">
+                <a:solidFill>
+                  <a:srgbClr val="9CDCFE"/>
+                </a:solidFill>
+                <a:effectLst/>
+                <a:latin typeface="Menlo" panose="020B0609030804020204" pitchFamily="49" charset="0"/>
+              </a:rPr>
+              <a:t>:</a:t>
+            </a:r>
+            <a:r>
+              <a:rPr lang="en-US" b="0" dirty="0">
+                <a:solidFill>
+                  <a:srgbClr val="D4D4D4"/>
+                </a:solidFill>
+                <a:effectLst/>
+                <a:latin typeface="Menlo" panose="020B0609030804020204" pitchFamily="49" charset="0"/>
+              </a:rPr>
+              <a:t> </a:t>
+            </a:r>
+            <a:r>
+              <a:rPr lang="en-US" b="0" dirty="0">
+                <a:solidFill>
+                  <a:srgbClr val="569CD6"/>
+                </a:solidFill>
+                <a:effectLst/>
+                <a:latin typeface="Menlo" panose="020B0609030804020204" pitchFamily="49" charset="0"/>
+              </a:rPr>
+              <a:t>false</a:t>
+            </a:r>
             <a:endParaRPr lang="en-US" b="0" dirty="0">
               <a:solidFill>
                 <a:srgbClr val="D4D4D4"/>
@@ -8216,97 +8310,6 @@
           </a:p>
           <a:p>
             <a:r>
-              <a:rPr lang="en-US" b="0" dirty="0" err="1">
-                <a:solidFill>
-                  <a:srgbClr val="9CDCFE"/>
-                </a:solidFill>
-                <a:effectLst/>
-                <a:latin typeface="Menlo" panose="020B0609030804020204" pitchFamily="49" charset="0"/>
-              </a:rPr>
-              <a:t>spinningRims</a:t>
-            </a:r>
-            <a:r>
-              <a:rPr lang="en-US" b="0" dirty="0">
-                <a:solidFill>
-                  <a:srgbClr val="D4D4D4"/>
-                </a:solidFill>
-                <a:effectLst/>
-                <a:latin typeface="Menlo" panose="020B0609030804020204" pitchFamily="49" charset="0"/>
-              </a:rPr>
-              <a:t>: </a:t>
-            </a:r>
-            <a:r>
-              <a:rPr lang="en-US" b="0" dirty="0">
-                <a:solidFill>
-                  <a:srgbClr val="569CD6"/>
-                </a:solidFill>
-                <a:effectLst/>
-                <a:latin typeface="Menlo" panose="020B0609030804020204" pitchFamily="49" charset="0"/>
-              </a:rPr>
-              <a:t>false</a:t>
-            </a:r>
-            <a:r>
-              <a:rPr lang="en-US" b="0" dirty="0">
-                <a:solidFill>
-                  <a:srgbClr val="D4D4D4"/>
-                </a:solidFill>
-                <a:effectLst/>
-                <a:latin typeface="Menlo" panose="020B0609030804020204" pitchFamily="49" charset="0"/>
-              </a:rPr>
-              <a:t>,</a:t>
-            </a:r>
-          </a:p>
-          <a:p>
-            <a:r>
-              <a:rPr lang="en-US" b="0" dirty="0" err="1">
-                <a:solidFill>
-                  <a:srgbClr val="9CDCFE"/>
-                </a:solidFill>
-                <a:effectLst/>
-                <a:latin typeface="Menlo" panose="020B0609030804020204" pitchFamily="49" charset="0"/>
-              </a:rPr>
-              <a:t>selfDriving</a:t>
-            </a:r>
-            <a:r>
-              <a:rPr lang="en-US" b="0" dirty="0">
-                <a:solidFill>
-                  <a:srgbClr val="9CDCFE"/>
-                </a:solidFill>
-                <a:effectLst/>
-                <a:latin typeface="Menlo" panose="020B0609030804020204" pitchFamily="49" charset="0"/>
-              </a:rPr>
-              <a:t>:</a:t>
-            </a:r>
-            <a:r>
-              <a:rPr lang="en-US" b="0" dirty="0">
-                <a:solidFill>
-                  <a:srgbClr val="D4D4D4"/>
-                </a:solidFill>
-                <a:effectLst/>
-                <a:latin typeface="Menlo" panose="020B0609030804020204" pitchFamily="49" charset="0"/>
-              </a:rPr>
-              <a:t> </a:t>
-            </a:r>
-            <a:r>
-              <a:rPr lang="en-US" b="0" dirty="0">
-                <a:solidFill>
-                  <a:srgbClr val="569CD6"/>
-                </a:solidFill>
-                <a:effectLst/>
-                <a:latin typeface="Menlo" panose="020B0609030804020204" pitchFamily="49" charset="0"/>
-              </a:rPr>
-              <a:t>false</a:t>
-            </a:r>
-            <a:endParaRPr lang="en-US" b="0" dirty="0">
-              <a:solidFill>
-                <a:srgbClr val="D4D4D4"/>
-              </a:solidFill>
-              <a:effectLst/>
-              <a:latin typeface="Menlo" panose="020B0609030804020204" pitchFamily="49" charset="0"/>
-            </a:endParaRPr>
-          </a:p>
-          <a:p>
-            <a:r>
               <a:rPr lang="en-US" b="0" dirty="0">
                 <a:solidFill>
                   <a:srgbClr val="D4D4D4"/>
@@ -8333,7 +8336,7 @@
                 </a:solidFill>
                 <a:latin typeface="Menlo" panose="020B0609030804020204" pitchFamily="49" charset="0"/>
               </a:rPr>
-              <a:t>// Bracket Notation</a:t>
+              <a:t>// Dot Notation</a:t>
             </a:r>
             <a:endParaRPr lang="en-US" b="0" dirty="0">
               <a:solidFill>
@@ -11781,15 +11784,7 @@
             </a:r>
             <a:r>
               <a:rPr lang="en-US" sz="1800" dirty="0"/>
-              <a:t>” back to </a:t>
-            </a:r>
-            <a:r>
-              <a:rPr lang="en-US" sz="1800" dirty="0" err="1"/>
-              <a:t>JavasScript</a:t>
-            </a:r>
-            <a:r>
-              <a:rPr lang="en-US" sz="1800" dirty="0"/>
-              <a:t> before it runs</a:t>
+              <a:t>” back to JavaScript before it runs</a:t>
             </a:r>
           </a:p>
           <a:p>
@@ -13259,7 +13254,7 @@
           </a:p>
           <a:p>
             <a:br>
-              <a:rPr lang="en-US" b="0" dirty="0">
+              <a:rPr lang="en-US" b="0">
                 <a:solidFill>
                   <a:srgbClr val="D4D4D4"/>
                 </a:solidFill>
@@ -13268,17 +13263,17 @@
               </a:rPr>
             </a:br>
             <a:r>
-              <a:rPr lang="en-US" b="0" dirty="0">
+              <a:rPr lang="en-US" b="0">
                 <a:solidFill>
                   <a:srgbClr val="569CD6"/>
                 </a:solidFill>
                 <a:effectLst/>
                 <a:latin typeface="Menlo" panose="020B0609030804020204" pitchFamily="49" charset="0"/>
               </a:rPr>
-              <a:t>const</a:t>
-            </a:r>
-            <a:r>
-              <a:rPr lang="en-US" b="0" dirty="0">
+              <a:t>let</a:t>
+            </a:r>
+            <a:r>
+              <a:rPr lang="en-US" b="0">
                 <a:solidFill>
                   <a:srgbClr val="D4D4D4"/>
                 </a:solidFill>
@@ -13381,7 +13376,7 @@
                 <a:effectLst/>
                 <a:latin typeface="Menlo" panose="020B0609030804020204" pitchFamily="49" charset="0"/>
               </a:rPr>
-              <a:t>var</a:t>
+              <a:t>bool</a:t>
             </a:r>
             <a:r>
               <a:rPr lang="en-US" b="0" dirty="0">
